--- a/Algoritma Tomi.pptx
+++ b/Algoritma Tomi.pptx
@@ -299,7 +299,7 @@
           <a:p>
             <a:fld id="{88D38747-4367-4BD2-8D51-C97E202738E2}" type="datetime1">
               <a:rPr lang="en-US" smtClean="0"/>
-              <a:t>12/23/2020</a:t>
+              <a:t>12/24/2020</a:t>
             </a:fld>
             <a:endParaRPr lang="en-US" dirty="0"/>
           </a:p>
@@ -604,7 +604,7 @@
           <a:p>
             <a:fld id="{11F1B079-7EF0-44EE-B798-BCC497C9F3B2}" type="datetime1">
               <a:rPr lang="en-US" smtClean="0"/>
-              <a:t>12/23/2020</a:t>
+              <a:t>12/24/2020</a:t>
             </a:fld>
             <a:endParaRPr lang="en-US" dirty="0"/>
           </a:p>
@@ -798,7 +798,7 @@
           <a:p>
             <a:fld id="{28FF70A8-1D13-4657-95F0-A9EA54967B8D}" type="datetime1">
               <a:rPr lang="en-US" smtClean="0"/>
-              <a:t>12/23/2020</a:t>
+              <a:t>12/24/2020</a:t>
             </a:fld>
             <a:endParaRPr lang="en-US" dirty="0"/>
           </a:p>
@@ -1061,7 +1061,7 @@
           <a:p>
             <a:fld id="{21EB90AC-71BD-4C7F-8ACA-7B3F18292E63}" type="datetime1">
               <a:rPr lang="en-US" smtClean="0"/>
-              <a:t>12/23/2020</a:t>
+              <a:t>12/24/2020</a:t>
             </a:fld>
             <a:endParaRPr lang="en-US" dirty="0"/>
           </a:p>
@@ -1497,7 +1497,7 @@
           <a:p>
             <a:fld id="{4E6EFC2C-8905-46F0-B443-CE905B76BA01}" type="datetime1">
               <a:rPr lang="en-US" smtClean="0"/>
-              <a:t>12/23/2020</a:t>
+              <a:t>12/24/2020</a:t>
             </a:fld>
             <a:endParaRPr lang="en-US" dirty="0"/>
           </a:p>
@@ -2034,7 +2034,7 @@
           <a:p>
             <a:fld id="{D9079DC3-C9B5-499E-9140-0DC28B7074E2}" type="datetime1">
               <a:rPr lang="en-US" smtClean="0"/>
-              <a:t>12/23/2020</a:t>
+              <a:t>12/24/2020</a:t>
             </a:fld>
             <a:endParaRPr lang="en-US" dirty="0"/>
           </a:p>
@@ -2916,7 +2916,7 @@
           <a:p>
             <a:fld id="{30BB33EA-E472-4D22-9C03-A9C14AA21CED}" type="datetime1">
               <a:rPr lang="en-US" smtClean="0"/>
-              <a:t>12/23/2020</a:t>
+              <a:t>12/24/2020</a:t>
             </a:fld>
             <a:endParaRPr lang="en-US" dirty="0"/>
           </a:p>
@@ -3086,7 +3086,7 @@
           <a:p>
             <a:fld id="{217E833E-1B6D-415F-AD29-75AE8C43BD0D}" type="datetime1">
               <a:rPr lang="en-US" smtClean="0"/>
-              <a:t>12/23/2020</a:t>
+              <a:t>12/24/2020</a:t>
             </a:fld>
             <a:endParaRPr lang="en-US" dirty="0"/>
           </a:p>
@@ -3270,7 +3270,7 @@
           <a:p>
             <a:fld id="{8452596F-08A7-4B70-989A-F2B1CF31E66B}" type="datetime1">
               <a:rPr lang="en-US" smtClean="0"/>
-              <a:t>12/23/2020</a:t>
+              <a:t>12/24/2020</a:t>
             </a:fld>
             <a:endParaRPr lang="en-US" dirty="0"/>
           </a:p>
@@ -3440,7 +3440,7 @@
           <a:p>
             <a:fld id="{73C55A3C-5767-4844-A0A3-83778C2E5409}" type="datetime1">
               <a:rPr lang="en-US" smtClean="0"/>
-              <a:t>12/23/2020</a:t>
+              <a:t>12/24/2020</a:t>
             </a:fld>
             <a:endParaRPr lang="en-US" dirty="0"/>
           </a:p>
@@ -3684,7 +3684,7 @@
           <a:p>
             <a:fld id="{CAE507A8-A5CF-4D38-AB86-7EDDA87A85D4}" type="datetime1">
               <a:rPr lang="en-US" smtClean="0"/>
-              <a:t>12/23/2020</a:t>
+              <a:t>12/24/2020</a:t>
             </a:fld>
             <a:endParaRPr lang="en-US" dirty="0"/>
           </a:p>
@@ -3926,7 +3926,7 @@
           <a:p>
             <a:fld id="{BDFCD27C-8599-43EF-BA1D-14DDC1946E06}" type="datetime1">
               <a:rPr lang="en-US" smtClean="0"/>
-              <a:t>12/23/2020</a:t>
+              <a:t>12/24/2020</a:t>
             </a:fld>
             <a:endParaRPr lang="en-US" dirty="0"/>
           </a:p>
@@ -4409,7 +4409,7 @@
           <a:p>
             <a:fld id="{49343D99-809A-49C0-96E5-4250D0B498EE}" type="datetime1">
               <a:rPr lang="en-US" smtClean="0"/>
-              <a:t>12/23/2020</a:t>
+              <a:t>12/24/2020</a:t>
             </a:fld>
             <a:endParaRPr lang="en-US" dirty="0"/>
           </a:p>
@@ -4527,7 +4527,7 @@
           <a:p>
             <a:fld id="{A143DE9B-B678-4EFB-BB7D-A4370204A0B0}" type="datetime1">
               <a:rPr lang="en-US" smtClean="0"/>
-              <a:t>12/23/2020</a:t>
+              <a:t>12/24/2020</a:t>
             </a:fld>
             <a:endParaRPr lang="en-US" dirty="0"/>
           </a:p>
@@ -4622,7 +4622,7 @@
           <a:p>
             <a:fld id="{E68812DA-F765-4142-A6A3-A8ED7235E082}" type="datetime1">
               <a:rPr lang="en-US" smtClean="0"/>
-              <a:t>12/23/2020</a:t>
+              <a:t>12/24/2020</a:t>
             </a:fld>
             <a:endParaRPr lang="en-US" dirty="0"/>
           </a:p>
@@ -4877,7 +4877,7 @@
           <a:p>
             <a:fld id="{3E0277FD-7DE6-41D4-930D-AC99F5AFE54E}" type="datetime1">
               <a:rPr lang="en-US" smtClean="0"/>
-              <a:t>12/23/2020</a:t>
+              <a:t>12/24/2020</a:t>
             </a:fld>
             <a:endParaRPr lang="en-US" dirty="0"/>
           </a:p>
@@ -5184,7 +5184,7 @@
           <a:p>
             <a:fld id="{9EA15526-7079-4B7B-987C-1B5FAE11A0FF}" type="datetime1">
               <a:rPr lang="en-US" smtClean="0"/>
-              <a:t>12/23/2020</a:t>
+              <a:t>12/24/2020</a:t>
             </a:fld>
             <a:endParaRPr lang="en-US" dirty="0"/>
           </a:p>
@@ -5419,7 +5419,7 @@
           <a:p>
             <a:fld id="{073ED0CC-082F-4160-86E5-0D6041F12778}" type="datetime1">
               <a:rPr lang="en-US" smtClean="0"/>
-              <a:t>12/23/2020</a:t>
+              <a:t>12/24/2020</a:t>
             </a:fld>
             <a:endParaRPr lang="en-US" dirty="0"/>
           </a:p>
@@ -6450,7 +6450,7 @@
         </p:nvSpPr>
         <p:spPr>
           <a:xfrm>
-            <a:off x="897848" y="1669773"/>
+            <a:off x="897848" y="1272206"/>
             <a:ext cx="1434547" cy="636102"/>
           </a:xfrm>
           <a:prstGeom prst="roundRect">
@@ -6507,7 +6507,7 @@
         </p:nvSpPr>
         <p:spPr>
           <a:xfrm>
-            <a:off x="521816" y="4242175"/>
+            <a:off x="521816" y="3844608"/>
             <a:ext cx="2186609" cy="1722781"/>
           </a:xfrm>
           <a:prstGeom prst="diamond">
@@ -6562,7 +6562,7 @@
         </p:nvSpPr>
         <p:spPr>
           <a:xfrm>
-            <a:off x="228612" y="2850694"/>
+            <a:off x="228612" y="2453127"/>
             <a:ext cx="2773018" cy="846662"/>
           </a:xfrm>
           <a:prstGeom prst="parallelogram">
@@ -6635,7 +6635,7 @@
         </p:nvCxnSpPr>
         <p:spPr>
           <a:xfrm flipH="1">
-            <a:off x="1615121" y="2305875"/>
+            <a:off x="1615121" y="1908308"/>
             <a:ext cx="1" cy="544819"/>
           </a:xfrm>
           <a:prstGeom prst="straightConnector1">
@@ -6677,7 +6677,7 @@
         </p:nvCxnSpPr>
         <p:spPr>
           <a:xfrm flipH="1">
-            <a:off x="1615120" y="3697356"/>
+            <a:off x="1615120" y="3299789"/>
             <a:ext cx="1" cy="544819"/>
           </a:xfrm>
           <a:prstGeom prst="straightConnector1">
@@ -6719,7 +6719,7 @@
         </p:nvSpPr>
         <p:spPr>
           <a:xfrm>
-            <a:off x="3352812" y="4652991"/>
+            <a:off x="3352812" y="4255424"/>
             <a:ext cx="2001078" cy="901148"/>
           </a:xfrm>
           <a:prstGeom prst="rect">
@@ -6777,7 +6777,7 @@
         </p:nvCxnSpPr>
         <p:spPr>
           <a:xfrm flipV="1">
-            <a:off x="2708425" y="5103565"/>
+            <a:off x="2708425" y="4705998"/>
             <a:ext cx="644387" cy="1"/>
           </a:xfrm>
           <a:prstGeom prst="straightConnector1">
@@ -6819,7 +6819,7 @@
         </p:nvSpPr>
         <p:spPr>
           <a:xfrm>
-            <a:off x="5998277" y="4242175"/>
+            <a:off x="5746489" y="3844608"/>
             <a:ext cx="2001071" cy="1722781"/>
           </a:xfrm>
           <a:prstGeom prst="diamond">
@@ -6869,13 +6869,16 @@
               </a:ext>
             </a:extLst>
           </p:cNvPr>
-          <p:cNvCxnSpPr/>
+          <p:cNvCxnSpPr>
+            <a:cxnSpLocks/>
+            <a:endCxn id="13" idx="1"/>
+          </p:cNvCxnSpPr>
           <p:nvPr/>
         </p:nvCxnSpPr>
         <p:spPr>
-          <a:xfrm flipV="1">
-            <a:off x="5353890" y="5098418"/>
-            <a:ext cx="644387" cy="1"/>
+          <a:xfrm>
+            <a:off x="5353890" y="4700853"/>
+            <a:ext cx="392599" cy="5146"/>
           </a:xfrm>
           <a:prstGeom prst="straightConnector1">
             <a:avLst/>
@@ -6916,7 +6919,7 @@
         </p:nvSpPr>
         <p:spPr>
           <a:xfrm>
-            <a:off x="5289282" y="2823451"/>
+            <a:off x="5037489" y="2425884"/>
             <a:ext cx="3419056" cy="901148"/>
           </a:xfrm>
           <a:prstGeom prst="rect">
@@ -6971,7 +6974,7 @@
         </p:nvSpPr>
         <p:spPr>
           <a:xfrm>
-            <a:off x="5289279" y="1212224"/>
+            <a:off x="5037486" y="814657"/>
             <a:ext cx="3419059" cy="1093651"/>
           </a:xfrm>
           <a:prstGeom prst="rect">
@@ -7036,8 +7039,8 @@
         </p:nvCxnSpPr>
         <p:spPr>
           <a:xfrm flipH="1" flipV="1">
-            <a:off x="6998810" y="3724599"/>
-            <a:ext cx="3" cy="517576"/>
+            <a:off x="6747017" y="3327032"/>
+            <a:ext cx="8" cy="517576"/>
           </a:xfrm>
           <a:prstGeom prst="straightConnector1">
             <a:avLst/>
@@ -7074,6 +7077,7 @@
             </a:extLst>
           </p:cNvPr>
           <p:cNvCxnSpPr>
+            <a:cxnSpLocks/>
             <a:stCxn id="17" idx="0"/>
             <a:endCxn id="18" idx="2"/>
           </p:cNvCxnSpPr>
@@ -7081,7 +7085,7 @@
         </p:nvCxnSpPr>
         <p:spPr>
           <a:xfrm flipH="1" flipV="1">
-            <a:off x="6998809" y="2305875"/>
+            <a:off x="6747016" y="1908308"/>
             <a:ext cx="1" cy="517576"/>
           </a:xfrm>
           <a:prstGeom prst="straightConnector1">
@@ -7123,8 +7127,8 @@
         </p:nvSpPr>
         <p:spPr>
           <a:xfrm>
-            <a:off x="9190370" y="2564663"/>
-            <a:ext cx="2773018" cy="1235569"/>
+            <a:off x="9090994" y="2167096"/>
+            <a:ext cx="2872394" cy="1235569"/>
           </a:xfrm>
           <a:prstGeom prst="parallelogram">
             <a:avLst/>
@@ -7170,7 +7174,7 @@
               <a:rPr lang="id-ID" dirty="0">
                 <a:latin typeface="+mj-lt"/>
               </a:rPr>
-              <a:t>hasil.join(‘’)</a:t>
+              <a:t>parseInt(hasil.join(‘’))</a:t>
             </a:r>
           </a:p>
           <a:p>
@@ -7213,8 +7217,8 @@
         </p:nvCxnSpPr>
         <p:spPr>
           <a:xfrm>
-            <a:off x="8708338" y="1759050"/>
-            <a:ext cx="1868541" cy="805613"/>
+            <a:off x="8456545" y="1361483"/>
+            <a:ext cx="2070646" cy="805613"/>
           </a:xfrm>
           <a:prstGeom prst="bentConnector2">
             <a:avLst/>
@@ -7255,7 +7259,7 @@
         </p:nvSpPr>
         <p:spPr>
           <a:xfrm>
-            <a:off x="9859605" y="4780367"/>
+            <a:off x="9859605" y="4382800"/>
             <a:ext cx="1434547" cy="636102"/>
           </a:xfrm>
           <a:prstGeom prst="roundRect">
@@ -7298,51 +7302,6 @@
           </a:p>
         </p:txBody>
       </p:sp>
-      <p:cxnSp>
-        <p:nvCxnSpPr>
-          <p:cNvPr id="34" name="Straight Arrow Connector 33">
-            <a:extLst>
-              <a:ext uri="{FF2B5EF4-FFF2-40B4-BE49-F238E27FC236}">
-                <a16:creationId xmlns:a16="http://schemas.microsoft.com/office/drawing/2014/main" id="{AABDCFD0-B313-48D4-BEFA-FB41470BF764}"/>
-              </a:ext>
-            </a:extLst>
-          </p:cNvPr>
-          <p:cNvCxnSpPr>
-            <a:stCxn id="13" idx="3"/>
-            <a:endCxn id="30" idx="1"/>
-          </p:cNvCxnSpPr>
-          <p:nvPr/>
-        </p:nvCxnSpPr>
-        <p:spPr>
-          <a:xfrm flipV="1">
-            <a:off x="7999348" y="5098418"/>
-            <a:ext cx="1860257" cy="5148"/>
-          </a:xfrm>
-          <a:prstGeom prst="straightConnector1">
-            <a:avLst/>
-          </a:prstGeom>
-          <a:ln w="28575">
-            <a:solidFill>
-              <a:schemeClr val="tx1"/>
-            </a:solidFill>
-            <a:tailEnd type="triangle"/>
-          </a:ln>
-        </p:spPr>
-        <p:style>
-          <a:lnRef idx="1">
-            <a:schemeClr val="accent1"/>
-          </a:lnRef>
-          <a:fillRef idx="0">
-            <a:schemeClr val="accent1"/>
-          </a:fillRef>
-          <a:effectRef idx="0">
-            <a:schemeClr val="accent1"/>
-          </a:effectRef>
-          <a:fontRef idx="minor">
-            <a:schemeClr val="tx1"/>
-          </a:fontRef>
-        </p:style>
-      </p:cxnSp>
       <p:cxnSp>
         <p:nvCxnSpPr>
           <p:cNvPr id="35" name="Straight Arrow Connector 34">
@@ -7360,7 +7319,7 @@
         </p:nvCxnSpPr>
         <p:spPr>
           <a:xfrm flipH="1">
-            <a:off x="10576879" y="3800232"/>
+            <a:off x="10576879" y="3402665"/>
             <a:ext cx="2" cy="980135"/>
           </a:xfrm>
           <a:prstGeom prst="straightConnector1">
@@ -7400,19 +7359,16 @@
           <p:cNvCxnSpPr>
             <a:cxnSpLocks/>
             <a:stCxn id="5" idx="2"/>
-            <a:endCxn id="30" idx="2"/>
           </p:cNvCxnSpPr>
           <p:nvPr/>
         </p:nvCxnSpPr>
         <p:spPr>
-          <a:xfrm rot="5400000" flipH="1" flipV="1">
-            <a:off x="5821756" y="1209834"/>
-            <a:ext cx="548487" cy="8961758"/>
-          </a:xfrm>
-          <a:prstGeom prst="bentConnector3">
-            <a:avLst>
-              <a:gd name="adj1" fmla="val -94833"/>
-            </a:avLst>
+          <a:xfrm rot="16200000" flipH="1">
+            <a:off x="4666878" y="2515631"/>
+            <a:ext cx="445426" cy="6548941"/>
+          </a:xfrm>
+          <a:prstGeom prst="bentConnector2">
+            <a:avLst/>
           </a:prstGeom>
           <a:ln w="28575">
             <a:solidFill>
@@ -7450,7 +7406,7 @@
         </p:nvSpPr>
         <p:spPr>
           <a:xfrm>
-            <a:off x="2677620" y="4774728"/>
+            <a:off x="2677620" y="4377161"/>
             <a:ext cx="551754" cy="369332"/>
           </a:xfrm>
           <a:prstGeom prst="rect">
@@ -7485,7 +7441,7 @@
         </p:nvSpPr>
         <p:spPr>
           <a:xfrm>
-            <a:off x="1615801" y="6093193"/>
+            <a:off x="1615801" y="5695626"/>
             <a:ext cx="582467" cy="369332"/>
           </a:xfrm>
           <a:prstGeom prst="rect">
@@ -7520,7 +7476,7 @@
         </p:nvSpPr>
         <p:spPr>
           <a:xfrm>
-            <a:off x="7985369" y="4796823"/>
+            <a:off x="7697399" y="4347113"/>
             <a:ext cx="582467" cy="369332"/>
           </a:xfrm>
           <a:prstGeom prst="rect">
@@ -7555,7 +7511,7 @@
         </p:nvSpPr>
         <p:spPr>
           <a:xfrm>
-            <a:off x="6998808" y="3857510"/>
+            <a:off x="6998808" y="3459943"/>
             <a:ext cx="551754" cy="369332"/>
           </a:xfrm>
           <a:prstGeom prst="rect">
@@ -7576,6 +7532,252 @@
           </a:p>
         </p:txBody>
       </p:sp>
+      <p:sp>
+        <p:nvSpPr>
+          <p:cNvPr id="26" name="Parallelogram 25">
+            <a:extLst>
+              <a:ext uri="{FF2B5EF4-FFF2-40B4-BE49-F238E27FC236}">
+                <a16:creationId xmlns:a16="http://schemas.microsoft.com/office/drawing/2014/main" id="{50B3590F-1EA4-480C-B50B-AC8F079735EA}"/>
+              </a:ext>
+            </a:extLst>
+          </p:cNvPr>
+          <p:cNvSpPr/>
+          <p:nvPr/>
+        </p:nvSpPr>
+        <p:spPr>
+          <a:xfrm>
+            <a:off x="8254762" y="4399256"/>
+            <a:ext cx="1343421" cy="618442"/>
+          </a:xfrm>
+          <a:prstGeom prst="parallelogram">
+            <a:avLst/>
+          </a:prstGeom>
+          <a:noFill/>
+          <a:ln>
+            <a:solidFill>
+              <a:schemeClr val="tx1"/>
+            </a:solidFill>
+          </a:ln>
+        </p:spPr>
+        <p:style>
+          <a:lnRef idx="2">
+            <a:schemeClr val="accent1">
+              <a:shade val="50000"/>
+            </a:schemeClr>
+          </a:lnRef>
+          <a:fillRef idx="1">
+            <a:schemeClr val="accent1"/>
+          </a:fillRef>
+          <a:effectRef idx="0">
+            <a:schemeClr val="accent1"/>
+          </a:effectRef>
+          <a:fontRef idx="minor">
+            <a:schemeClr val="lt1"/>
+          </a:fontRef>
+        </p:style>
+        <p:txBody>
+          <a:bodyPr rtlCol="0" anchor="ctr"/>
+          <a:lstStyle/>
+          <a:p>
+            <a:pPr algn="ctr"/>
+            <a:r>
+              <a:rPr lang="id-ID" dirty="0">
+                <a:latin typeface="+mj-lt"/>
+              </a:rPr>
+              <a:t>“Error”</a:t>
+            </a:r>
+          </a:p>
+        </p:txBody>
+      </p:sp>
+      <p:cxnSp>
+        <p:nvCxnSpPr>
+          <p:cNvPr id="7" name="Straight Arrow Connector 6">
+            <a:extLst>
+              <a:ext uri="{FF2B5EF4-FFF2-40B4-BE49-F238E27FC236}">
+                <a16:creationId xmlns:a16="http://schemas.microsoft.com/office/drawing/2014/main" id="{C303D8F9-E532-4BB8-B3DB-99F663A199A9}"/>
+              </a:ext>
+            </a:extLst>
+          </p:cNvPr>
+          <p:cNvCxnSpPr>
+            <a:stCxn id="13" idx="3"/>
+            <a:endCxn id="26" idx="5"/>
+          </p:cNvCxnSpPr>
+          <p:nvPr/>
+        </p:nvCxnSpPr>
+        <p:spPr>
+          <a:xfrm>
+            <a:off x="7747560" y="4705999"/>
+            <a:ext cx="584507" cy="2478"/>
+          </a:xfrm>
+          <a:prstGeom prst="straightConnector1">
+            <a:avLst/>
+          </a:prstGeom>
+          <a:ln w="28575">
+            <a:solidFill>
+              <a:schemeClr val="tx1"/>
+            </a:solidFill>
+            <a:tailEnd type="triangle"/>
+          </a:ln>
+        </p:spPr>
+        <p:style>
+          <a:lnRef idx="1">
+            <a:schemeClr val="accent1"/>
+          </a:lnRef>
+          <a:fillRef idx="0">
+            <a:schemeClr val="accent1"/>
+          </a:fillRef>
+          <a:effectRef idx="0">
+            <a:schemeClr val="accent1"/>
+          </a:effectRef>
+          <a:fontRef idx="minor">
+            <a:schemeClr val="tx1"/>
+          </a:fontRef>
+        </p:style>
+      </p:cxnSp>
+      <p:cxnSp>
+        <p:nvCxnSpPr>
+          <p:cNvPr id="29" name="Straight Arrow Connector 28">
+            <a:extLst>
+              <a:ext uri="{FF2B5EF4-FFF2-40B4-BE49-F238E27FC236}">
+                <a16:creationId xmlns:a16="http://schemas.microsoft.com/office/drawing/2014/main" id="{5C5540C2-1981-4C4E-AD18-D970FBF727A7}"/>
+              </a:ext>
+            </a:extLst>
+          </p:cNvPr>
+          <p:cNvCxnSpPr/>
+          <p:nvPr/>
+        </p:nvCxnSpPr>
+        <p:spPr>
+          <a:xfrm>
+            <a:off x="9534688" y="4709280"/>
+            <a:ext cx="332719" cy="2478"/>
+          </a:xfrm>
+          <a:prstGeom prst="straightConnector1">
+            <a:avLst/>
+          </a:prstGeom>
+          <a:ln w="28575">
+            <a:solidFill>
+              <a:schemeClr val="tx1"/>
+            </a:solidFill>
+            <a:tailEnd type="triangle"/>
+          </a:ln>
+        </p:spPr>
+        <p:style>
+          <a:lnRef idx="1">
+            <a:schemeClr val="accent1"/>
+          </a:lnRef>
+          <a:fillRef idx="0">
+            <a:schemeClr val="accent1"/>
+          </a:fillRef>
+          <a:effectRef idx="0">
+            <a:schemeClr val="accent1"/>
+          </a:effectRef>
+          <a:fontRef idx="minor">
+            <a:schemeClr val="tx1"/>
+          </a:fontRef>
+        </p:style>
+      </p:cxnSp>
+      <p:sp>
+        <p:nvSpPr>
+          <p:cNvPr id="31" name="Parallelogram 30">
+            <a:extLst>
+              <a:ext uri="{FF2B5EF4-FFF2-40B4-BE49-F238E27FC236}">
+                <a16:creationId xmlns:a16="http://schemas.microsoft.com/office/drawing/2014/main" id="{16975784-90F0-43B3-9F4D-BBAB456FCE10}"/>
+              </a:ext>
+            </a:extLst>
+          </p:cNvPr>
+          <p:cNvSpPr/>
+          <p:nvPr/>
+        </p:nvSpPr>
+        <p:spPr>
+          <a:xfrm>
+            <a:off x="8111054" y="5689311"/>
+            <a:ext cx="1343421" cy="618442"/>
+          </a:xfrm>
+          <a:prstGeom prst="parallelogram">
+            <a:avLst/>
+          </a:prstGeom>
+          <a:noFill/>
+          <a:ln>
+            <a:solidFill>
+              <a:schemeClr val="tx1"/>
+            </a:solidFill>
+          </a:ln>
+        </p:spPr>
+        <p:style>
+          <a:lnRef idx="2">
+            <a:schemeClr val="accent1">
+              <a:shade val="50000"/>
+            </a:schemeClr>
+          </a:lnRef>
+          <a:fillRef idx="1">
+            <a:schemeClr val="accent1"/>
+          </a:fillRef>
+          <a:effectRef idx="0">
+            <a:schemeClr val="accent1"/>
+          </a:effectRef>
+          <a:fontRef idx="minor">
+            <a:schemeClr val="lt1"/>
+          </a:fontRef>
+        </p:style>
+        <p:txBody>
+          <a:bodyPr rtlCol="0" anchor="ctr"/>
+          <a:lstStyle/>
+          <a:p>
+            <a:pPr algn="ctr"/>
+            <a:r>
+              <a:rPr lang="id-ID" dirty="0">
+                <a:latin typeface="+mj-lt"/>
+              </a:rPr>
+              <a:t>“Error”</a:t>
+            </a:r>
+          </a:p>
+        </p:txBody>
+      </p:sp>
+      <p:cxnSp>
+        <p:nvCxnSpPr>
+          <p:cNvPr id="33" name="Straight Arrow Connector 32">
+            <a:extLst>
+              <a:ext uri="{FF2B5EF4-FFF2-40B4-BE49-F238E27FC236}">
+                <a16:creationId xmlns:a16="http://schemas.microsoft.com/office/drawing/2014/main" id="{BEABCD3E-4496-4529-BEF4-03E2BFA044CE}"/>
+              </a:ext>
+            </a:extLst>
+          </p:cNvPr>
+          <p:cNvCxnSpPr>
+            <a:cxnSpLocks/>
+            <a:endCxn id="30" idx="2"/>
+          </p:cNvCxnSpPr>
+          <p:nvPr/>
+        </p:nvCxnSpPr>
+        <p:spPr>
+          <a:xfrm flipV="1">
+            <a:off x="9388812" y="5018902"/>
+            <a:ext cx="1188067" cy="977096"/>
+          </a:xfrm>
+          <a:prstGeom prst="bentConnector2">
+            <a:avLst/>
+          </a:prstGeom>
+          <a:ln w="28575">
+            <a:solidFill>
+              <a:schemeClr val="tx1"/>
+            </a:solidFill>
+            <a:tailEnd type="triangle"/>
+          </a:ln>
+        </p:spPr>
+        <p:style>
+          <a:lnRef idx="1">
+            <a:schemeClr val="accent1"/>
+          </a:lnRef>
+          <a:fillRef idx="0">
+            <a:schemeClr val="accent1"/>
+          </a:fillRef>
+          <a:effectRef idx="0">
+            <a:schemeClr val="accent1"/>
+          </a:effectRef>
+          <a:fontRef idx="minor">
+            <a:schemeClr val="tx1"/>
+          </a:fontRef>
+        </p:style>
+      </p:cxnSp>
     </p:spTree>
     <p:extLst>
       <p:ext uri="{BB962C8B-B14F-4D97-AF65-F5344CB8AC3E}">
